--- a/Grails Testing Plugin.pptx
+++ b/Grails Testing Plugin.pptx
@@ -6798,37 +6798,19 @@
               <a:rPr lang="en-US" b="1" dirty="0" smtClean="0">
                 <a:latin typeface="Courier New"/>
               </a:rPr>
-              <a:t>        //</a:t>
+              <a:t>        // easier in testing-</a:t>
+            </a:r>
+            <a:r>
+              <a:rPr lang="en-US" b="1" dirty="0" err="1" smtClean="0">
+                <a:latin typeface="Courier New"/>
+              </a:rPr>
+              <a:t>plugin</a:t>
             </a:r>
             <a:r>
               <a:rPr lang="en-US" b="1" dirty="0" smtClean="0">
                 <a:latin typeface="Courier New"/>
               </a:rPr>
-              <a:t> easier in </a:t>
-            </a:r>
-            <a:r>
-              <a:rPr lang="en-US" b="1" dirty="0" smtClean="0">
-                <a:latin typeface="Courier New"/>
-              </a:rPr>
-              <a:t>testing-</a:t>
-            </a:r>
-            <a:r>
-              <a:rPr lang="en-US" b="1" dirty="0" err="1" smtClean="0">
-                <a:latin typeface="Courier New"/>
-              </a:rPr>
-              <a:t>plugin</a:t>
-            </a:r>
-            <a:r>
-              <a:rPr lang="en-US" b="1" dirty="0" smtClean="0">
-                <a:latin typeface="Courier New"/>
-              </a:rPr>
-              <a:t> </a:t>
-            </a:r>
-            <a:r>
-              <a:rPr lang="en-US" b="1" dirty="0" smtClean="0">
-                <a:latin typeface="Courier New"/>
-              </a:rPr>
-              <a:t>0.4 (</a:t>
+              <a:t> 0.4 (</a:t>
             </a:r>
             <a:r>
               <a:rPr lang="en-US" b="1" dirty="0" err="1" smtClean="0">
@@ -7104,60 +7086,36 @@
               <a:rPr lang="en-US" b="1" dirty="0" smtClean="0">
                 <a:latin typeface="Courier New"/>
               </a:rPr>
-              <a:t>			"</a:t>
-            </a:r>
+              <a:t>			"blank", </a:t>
+            </a:r>
+            <a:r>
+              <a:rPr lang="en-US" dirty="0" smtClean="0">
+                <a:latin typeface="Courier New"/>
+              </a:rPr>
+              <a:t> //name of constraint</a:t>
+            </a:r>
+          </a:p>
+          <a:p>
+            <a:pPr>
+              <a:buNone/>
+            </a:pPr>
             <a:r>
               <a:rPr lang="en-US" b="1" dirty="0" smtClean="0">
                 <a:latin typeface="Courier New"/>
               </a:rPr>
-              <a:t>blank",</a:t>
+              <a:t>				</a:t>
+            </a:r>
+            <a:r>
+              <a:rPr lang="en-US" b="1" dirty="0" err="1" smtClean="0">
+                <a:latin typeface="Courier New"/>
+              </a:rPr>
+              <a:t>author.errors["lastName</a:t>
             </a:r>
             <a:r>
               <a:rPr lang="en-US" b="1" dirty="0" smtClean="0">
                 <a:latin typeface="Courier New"/>
               </a:rPr>
-              <a:t> </a:t>
-            </a:r>
-            <a:r>
-              <a:rPr lang="en-US" dirty="0" smtClean="0">
-                <a:latin typeface="Courier New"/>
-              </a:rPr>
-              <a:t> //name of constraint</a:t>
-            </a:r>
-          </a:p>
-          <a:p>
-            <a:pPr>
-              <a:buNone/>
-            </a:pPr>
-            <a:r>
-              <a:rPr lang="en-US" b="1" dirty="0" smtClean="0">
-                <a:latin typeface="Courier New"/>
-              </a:rPr>
-              <a:t>				</a:t>
-            </a:r>
-            <a:r>
-              <a:rPr lang="en-US" b="1" dirty="0" err="1" smtClean="0">
-                <a:latin typeface="Courier New"/>
-              </a:rPr>
-              <a:t>author</a:t>
-            </a:r>
-            <a:r>
-              <a:rPr lang="en-US" b="1" dirty="0" err="1" smtClean="0">
-                <a:latin typeface="Courier New"/>
-              </a:rPr>
-              <a:t>.errors["lastName</a:t>
-            </a:r>
-            <a:r>
-              <a:rPr lang="en-US" b="1" dirty="0" smtClean="0">
-                <a:latin typeface="Courier New"/>
-              </a:rPr>
-              <a:t>"</a:t>
-            </a:r>
-            <a:r>
-              <a:rPr lang="en-US" b="1" dirty="0" smtClean="0">
-                <a:latin typeface="Courier New"/>
-              </a:rPr>
-              <a:t>] </a:t>
+              <a:t>"] </a:t>
             </a:r>
             <a:r>
               <a:rPr lang="en-US" dirty="0" smtClean="0">

--- a/Grails Testing Plugin.pptx
+++ b/Grails Testing Plugin.pptx
@@ -5,7 +5,7 @@
     <p:sldMasterId id="2147483648" r:id="rId1"/>
   </p:sldMasterIdLst>
   <p:notesMasterIdLst>
-    <p:notesMasterId r:id="rId17"/>
+    <p:notesMasterId r:id="rId18"/>
   </p:notesMasterIdLst>
   <p:sldIdLst>
     <p:sldId id="256" r:id="rId2"/>
@@ -23,6 +23,7 @@
     <p:sldId id="272" r:id="rId14"/>
     <p:sldId id="271" r:id="rId15"/>
     <p:sldId id="273" r:id="rId16"/>
+    <p:sldId id="274" r:id="rId17"/>
   </p:sldIdLst>
   <p:sldSz cx="9144000" cy="6858000" type="screen4x3"/>
   <p:notesSz cx="6858000" cy="9144000"/>
@@ -6184,6 +6185,76 @@
               <a:rPr lang="en-US" dirty="0" smtClean="0"/>
               <a:t> </a:t>
             </a:r>
+          </a:p>
+        </p:txBody>
+      </p:sp>
+    </p:spTree>
+  </p:cSld>
+  <p:clrMapOvr>
+    <a:masterClrMapping/>
+  </p:clrMapOvr>
+</p:sld>
+</file>
+
+<file path=ppt/slides/slide16.xml><?xml version="1.0" encoding="utf-8"?>
+<p:sld xmlns:a="http://schemas.openxmlformats.org/drawingml/2006/main" xmlns:r="http://schemas.openxmlformats.org/officeDocument/2006/relationships" xmlns:mc="http://schemas.openxmlformats.org/markup-compatibility/2006" xmlns:mv="urn:schemas-microsoft-com:mac:vml" xmlns:p="http://schemas.openxmlformats.org/presentationml/2006/main" mc:Ignorable="mv" mc:PreserveAttributes="mv:*">
+  <p:cSld>
+    <p:spTree>
+      <p:nvGrpSpPr>
+        <p:cNvPr id="1" name=""/>
+        <p:cNvGrpSpPr/>
+        <p:nvPr/>
+      </p:nvGrpSpPr>
+      <p:grpSpPr>
+        <a:xfrm>
+          <a:off x="0" y="0"/>
+          <a:ext cx="0" cy="0"/>
+          <a:chOff x="0" y="0"/>
+          <a:chExt cx="0" cy="0"/>
+        </a:xfrm>
+      </p:grpSpPr>
+      <p:sp>
+        <p:nvSpPr>
+          <p:cNvPr id="2" name="Title 1"/>
+          <p:cNvSpPr>
+            <a:spLocks noGrp="1"/>
+          </p:cNvSpPr>
+          <p:nvPr>
+            <p:ph type="title"/>
+          </p:nvPr>
+        </p:nvSpPr>
+        <p:spPr/>
+        <p:txBody>
+          <a:bodyPr/>
+          <a:lstStyle/>
+          <a:p>
+            <a:r>
+              <a:rPr lang="en-US" dirty="0" smtClean="0"/>
+              <a:t>One more thing…</a:t>
+            </a:r>
+            <a:endParaRPr lang="en-US" dirty="0"/>
+          </a:p>
+        </p:txBody>
+      </p:sp>
+      <p:sp>
+        <p:nvSpPr>
+          <p:cNvPr id="3" name="Content Placeholder 2"/>
+          <p:cNvSpPr>
+            <a:spLocks noGrp="1"/>
+          </p:cNvSpPr>
+          <p:nvPr>
+            <p:ph idx="1"/>
+          </p:nvPr>
+        </p:nvSpPr>
+        <p:spPr/>
+        <p:txBody>
+          <a:bodyPr/>
+          <a:lstStyle/>
+          <a:p>
+            <a:pPr>
+              <a:buNone/>
+            </a:pPr>
+            <a:endParaRPr lang="en-US" dirty="0"/>
           </a:p>
         </p:txBody>
       </p:sp>
